--- a/Making Finals not as Bad.pptx
+++ b/Making Finals not as Bad.pptx
@@ -114,6 +114,11 @@
       </a:defRPr>
     </a:lvl9pPr>
   </p:defaultTextStyle>
+  <p:extLst>
+    <p:ext uri="{EFAFB233-063F-42B5-8137-9DF3F51BA10A}">
+      <p15:sldGuideLst xmlns:p15="http://schemas.microsoft.com/office/powerpoint/2012/main"/>
+    </p:ext>
+  </p:extLst>
 </p:presentation>
 </file>
 
@@ -7351,7 +7356,6 @@
               <a:rPr lang="en-US" dirty="0" smtClean="0"/>
               <a:t>Beers </a:t>
             </a:r>
-            <a:endParaRPr lang="en-US" dirty="0" smtClean="0"/>
           </a:p>
         </p:txBody>
       </p:sp>

--- a/Making Finals not as Bad.pptx
+++ b/Making Finals not as Bad.pptx
@@ -6251,8 +6251,8 @@
         </p:nvSpPr>
         <p:spPr>
           <a:xfrm>
-            <a:off x="1451429" y="856343"/>
-            <a:ext cx="9332685" cy="2523768"/>
+            <a:off x="1640114" y="653143"/>
+            <a:ext cx="9593942" cy="1969770"/>
           </a:xfrm>
           <a:prstGeom prst="rect">
             <a:avLst/>
@@ -6277,14 +6277,24 @@
           <a:p>
             <a:r>
               <a:rPr lang="en-US" sz="2400" dirty="0" smtClean="0"/>
-              <a:t>Sure! We optimized all of our algorithms where possible, and with more computing power this algorithm could be run quite quickly. The only bottleneck would be downloading all the information from the client. </a:t>
-            </a:r>
-          </a:p>
-          <a:p>
-            <a:endParaRPr lang="en-US" dirty="0"/>
-          </a:p>
-          <a:p>
-            <a:endParaRPr lang="en-US" dirty="0"/>
+              <a:t>Sure! We optimized all of our algorithms </a:t>
+            </a:r>
+            <a:r>
+              <a:rPr lang="en-US" sz="2400" dirty="0" smtClean="0"/>
+              <a:t>whenever </a:t>
+            </a:r>
+            <a:r>
+              <a:rPr lang="en-US" sz="2400" dirty="0" smtClean="0"/>
+              <a:t>possible, and with more computing power this algorithm could be run quite quickly. The only </a:t>
+            </a:r>
+            <a:r>
+              <a:rPr lang="en-US" sz="2400" dirty="0" smtClean="0"/>
+              <a:t>non-scalable part </a:t>
+            </a:r>
+            <a:r>
+              <a:rPr lang="en-US" sz="2400" dirty="0" smtClean="0"/>
+              <a:t>would be downloading all the information from the client. </a:t>
+            </a:r>
           </a:p>
         </p:txBody>
       </p:sp>
@@ -6357,8 +6367,8 @@
         </p:nvSpPr>
         <p:spPr>
           <a:xfrm>
-            <a:off x="856343" y="1103086"/>
-            <a:ext cx="10769600" cy="1754326"/>
+            <a:off x="1494972" y="740229"/>
+            <a:ext cx="10029371" cy="1754326"/>
           </a:xfrm>
           <a:prstGeom prst="rect">
             <a:avLst/>
@@ -6383,7 +6393,15 @@
           <a:p>
             <a:r>
               <a:rPr lang="en-US" sz="2400" dirty="0" smtClean="0"/>
-              <a:t>At a high level, yup! The actual implementation gets pretty complex in places, but at a higher level the algorithm is fairly intuitive and simple.</a:t>
+              <a:t>At a high level, yup! The actual implementation gets pretty complex in places, but at a higher level the algorithm </a:t>
+            </a:r>
+            <a:r>
+              <a:rPr lang="en-US" sz="2400" dirty="0" smtClean="0"/>
+              <a:t>is </a:t>
+            </a:r>
+            <a:r>
+              <a:rPr lang="en-US" sz="2400" dirty="0" smtClean="0"/>
+              <a:t>intuitive and simple.</a:t>
             </a:r>
             <a:endParaRPr lang="en-US" sz="2400" dirty="0"/>
           </a:p>
@@ -6459,7 +6477,7 @@
         <p:spPr>
           <a:xfrm>
             <a:off x="1553029" y="464457"/>
-            <a:ext cx="9085943" cy="2123658"/>
+            <a:ext cx="9318171" cy="2123658"/>
           </a:xfrm>
           <a:prstGeom prst="rect">
             <a:avLst/>
@@ -6484,7 +6502,11 @@
             </a:pPr>
             <a:r>
               <a:rPr lang="en-US" sz="4400" dirty="0" smtClean="0"/>
-              <a:t>Avoid student conflicts</a:t>
+              <a:t>Avoiding </a:t>
+            </a:r>
+            <a:r>
+              <a:rPr lang="en-US" sz="4400" dirty="0" smtClean="0"/>
+              <a:t>student conflicts</a:t>
             </a:r>
           </a:p>
           <a:p>
@@ -6494,7 +6516,11 @@
             </a:pPr>
             <a:r>
               <a:rPr lang="en-US" sz="4400" dirty="0" smtClean="0"/>
-              <a:t>Prioritize student preferences</a:t>
+              <a:t>Prioritizing </a:t>
+            </a:r>
+            <a:r>
+              <a:rPr lang="en-US" sz="4400" dirty="0" smtClean="0"/>
+              <a:t>student preferences</a:t>
             </a:r>
           </a:p>
         </p:txBody>
@@ -6515,7 +6541,7 @@
         </p:blipFill>
         <p:spPr>
           <a:xfrm>
-            <a:off x="1364343" y="2997199"/>
+            <a:off x="1832430" y="3550722"/>
             <a:ext cx="1865086" cy="2543299"/>
           </a:xfrm>
           <a:prstGeom prst="rect">
@@ -6540,8 +6566,8 @@
         </p:nvCxnSpPr>
         <p:spPr>
           <a:xfrm>
-            <a:off x="3229429" y="4268849"/>
-            <a:ext cx="3749039" cy="16494"/>
+            <a:off x="3697516" y="4822372"/>
+            <a:ext cx="4688838" cy="0"/>
           </a:xfrm>
           <a:prstGeom prst="straightConnector1">
             <a:avLst/>
@@ -6581,7 +6607,7 @@
         </p:blipFill>
         <p:spPr>
           <a:xfrm>
-            <a:off x="6978468" y="2875643"/>
+            <a:off x="8386354" y="3412672"/>
             <a:ext cx="1619250" cy="2819400"/>
           </a:xfrm>
           <a:prstGeom prst="rect">
@@ -6634,7 +6660,7 @@
         </p:nvSpPr>
         <p:spPr>
           <a:xfrm>
-            <a:off x="1103086" y="638629"/>
+            <a:off x="1567543" y="426064"/>
             <a:ext cx="10145486" cy="2431435"/>
           </a:xfrm>
           <a:prstGeom prst="rect">
@@ -6698,7 +6724,11 @@
             </a:pPr>
             <a:r>
               <a:rPr lang="en-US" sz="2400" dirty="0" smtClean="0"/>
-              <a:t>Create bad finals schedule via time for one section, conflict for multi section</a:t>
+              <a:t>Create </a:t>
+            </a:r>
+            <a:r>
+              <a:rPr lang="en-US" sz="2400" dirty="0" smtClean="0"/>
+              <a:t>finals schedule via time for one section, conflict for multi section</a:t>
             </a:r>
           </a:p>
         </p:txBody>
@@ -6831,7 +6861,7 @@
         </p:nvSpPr>
         <p:spPr>
           <a:xfrm>
-            <a:off x="1161143" y="566057"/>
+            <a:off x="1828800" y="551543"/>
             <a:ext cx="10087428" cy="2062103"/>
           </a:xfrm>
           <a:prstGeom prst="rect">
@@ -7059,8 +7089,8 @@
         </p:nvSpPr>
         <p:spPr>
           <a:xfrm>
-            <a:off x="1494971" y="2656114"/>
-            <a:ext cx="2423886" cy="1016000"/>
+            <a:off x="1494970" y="2656114"/>
+            <a:ext cx="3164115" cy="1016000"/>
           </a:xfrm>
           <a:prstGeom prst="rect">
             <a:avLst/>
@@ -7095,15 +7125,19 @@
           <a:p>
             <a:pPr algn="ctr"/>
             <a:r>
-              <a:rPr lang="en-US" dirty="0" smtClean="0"/>
-              <a:t>Napping 101 Exam</a:t>
+              <a:rPr lang="en-US" dirty="0" err="1"/>
+              <a:t>Hist</a:t>
+            </a:r>
+            <a:r>
+              <a:rPr lang="en-US" dirty="0"/>
+              <a:t> 235: Age of Piracy</a:t>
             </a:r>
           </a:p>
           <a:p>
             <a:pPr algn="ctr"/>
             <a:r>
-              <a:rPr lang="en-US" dirty="0" smtClean="0"/>
-              <a:t>Wines</a:t>
+              <a:rPr lang="en-US" dirty="0"/>
+              <a:t>Philo 421: Religion in Star Trek</a:t>
             </a:r>
             <a:endParaRPr lang="en-US" dirty="0"/>
           </a:p>
@@ -7118,7 +7152,7 @@
         <p:spPr>
           <a:xfrm>
             <a:off x="1494971" y="4172857"/>
-            <a:ext cx="2423886" cy="1023257"/>
+            <a:ext cx="3164114" cy="1023257"/>
           </a:xfrm>
           <a:prstGeom prst="rect">
             <a:avLst/>
@@ -7153,15 +7187,15 @@
           <a:p>
             <a:pPr algn="ctr"/>
             <a:r>
-              <a:rPr lang="en-US" dirty="0" smtClean="0"/>
-              <a:t>Secret Agents 007</a:t>
+              <a:rPr lang="en-US" dirty="0"/>
+              <a:t>Army 007: Being Bond</a:t>
             </a:r>
           </a:p>
           <a:p>
             <a:pPr algn="ctr"/>
             <a:r>
-              <a:rPr lang="en-US" dirty="0" smtClean="0"/>
-              <a:t>Beers </a:t>
+              <a:rPr lang="en-US" dirty="0"/>
+              <a:t>Nap 101: Afternoon Naps </a:t>
             </a:r>
           </a:p>
           <a:p>
@@ -7174,14 +7208,14 @@
         <p:nvCxnSpPr>
           <p:cNvPr id="6" name="Straight Arrow Connector 5"/>
           <p:cNvCxnSpPr>
-            <a:stCxn id="3" idx="3"/>
+            <a:endCxn id="11" idx="1"/>
           </p:cNvCxnSpPr>
           <p:nvPr/>
         </p:nvCxnSpPr>
         <p:spPr>
           <a:xfrm>
-            <a:off x="3918857" y="3164114"/>
-            <a:ext cx="3425372" cy="1426756"/>
+            <a:off x="4659085" y="3209108"/>
+            <a:ext cx="3265715" cy="1306470"/>
           </a:xfrm>
           <a:prstGeom prst="straightConnector1">
             <a:avLst/>
@@ -7211,13 +7245,15 @@
       <p:cxnSp>
         <p:nvCxnSpPr>
           <p:cNvPr id="7" name="Straight Arrow Connector 6"/>
-          <p:cNvCxnSpPr/>
+          <p:cNvCxnSpPr>
+            <a:stCxn id="4" idx="3"/>
+          </p:cNvCxnSpPr>
           <p:nvPr/>
         </p:nvCxnSpPr>
         <p:spPr>
           <a:xfrm flipV="1">
-            <a:off x="3918857" y="3233057"/>
-            <a:ext cx="3425372" cy="1451428"/>
+            <a:off x="4659085" y="3164115"/>
+            <a:ext cx="3265716" cy="1520371"/>
           </a:xfrm>
           <a:prstGeom prst="straightConnector1">
             <a:avLst/>
@@ -7252,8 +7288,8 @@
         </p:nvSpPr>
         <p:spPr>
           <a:xfrm>
-            <a:off x="7344229" y="2721428"/>
-            <a:ext cx="2423886" cy="1016000"/>
+            <a:off x="7924801" y="2721428"/>
+            <a:ext cx="3236684" cy="950686"/>
           </a:xfrm>
           <a:prstGeom prst="rect">
             <a:avLst/>
@@ -7289,16 +7325,15 @@
             <a:pPr algn="ctr"/>
             <a:r>
               <a:rPr lang="en-US" dirty="0" smtClean="0"/>
-              <a:t>Napping 101 Exam</a:t>
+              <a:t>Army 007: Being Bond</a:t>
             </a:r>
           </a:p>
           <a:p>
             <a:pPr algn="ctr"/>
             <a:r>
-              <a:rPr lang="en-US" dirty="0" smtClean="0"/>
-              <a:t>Wines</a:t>
-            </a:r>
-            <a:endParaRPr lang="en-US" dirty="0"/>
+              <a:rPr lang="en-US" dirty="0"/>
+              <a:t>Nap 101: Afternoon Naps </a:t>
+            </a:r>
           </a:p>
         </p:txBody>
       </p:sp>
@@ -7310,8 +7345,8 @@
         </p:nvSpPr>
         <p:spPr>
           <a:xfrm>
-            <a:off x="7344229" y="4180114"/>
-            <a:ext cx="2423886" cy="1016000"/>
+            <a:off x="7924800" y="3958771"/>
+            <a:ext cx="3236685" cy="1113613"/>
           </a:xfrm>
           <a:prstGeom prst="rect">
             <a:avLst/>
@@ -7346,16 +7381,21 @@
           <a:p>
             <a:pPr algn="ctr"/>
             <a:r>
+              <a:rPr lang="en-US" dirty="0" err="1"/>
+              <a:t>Hist</a:t>
+            </a:r>
+            <a:r>
+              <a:rPr lang="en-US" dirty="0"/>
+              <a:t> 235: Age of Piracy</a:t>
+            </a:r>
+          </a:p>
+          <a:p>
+            <a:pPr algn="ctr"/>
+            <a:r>
               <a:rPr lang="en-US" dirty="0" smtClean="0"/>
-              <a:t>Secret Agents 007</a:t>
-            </a:r>
-          </a:p>
-          <a:p>
-            <a:pPr algn="ctr"/>
-            <a:r>
-              <a:rPr lang="en-US" dirty="0" smtClean="0"/>
-              <a:t>Beers </a:t>
-            </a:r>
+              <a:t>Philo 421: Religion in Star Trek</a:t>
+            </a:r>
+            <a:endParaRPr lang="en-US" dirty="0"/>
           </a:p>
         </p:txBody>
       </p:sp>
@@ -7404,7 +7444,7 @@
         </p:nvSpPr>
         <p:spPr>
           <a:xfrm>
-            <a:off x="1219200" y="497114"/>
+            <a:off x="1509486" y="497114"/>
             <a:ext cx="10087429" cy="2339102"/>
           </a:xfrm>
           <a:prstGeom prst="rect">
@@ -7430,7 +7470,11 @@
           <a:p>
             <a:r>
               <a:rPr lang="en-US" sz="2400" dirty="0" smtClean="0"/>
-              <a:t>We hope so! It would require as inputs from the university the following things:</a:t>
+              <a:t>Indeed! </a:t>
+            </a:r>
+            <a:r>
+              <a:rPr lang="en-US" sz="2400" dirty="0" smtClean="0"/>
+              <a:t>It would require as inputs from the university the following things:</a:t>
             </a:r>
           </a:p>
           <a:p>
@@ -7440,7 +7484,15 @@
             </a:pPr>
             <a:r>
               <a:rPr lang="en-US" sz="2400" dirty="0" smtClean="0"/>
-              <a:t>Each students courses</a:t>
+              <a:t>Each </a:t>
+            </a:r>
+            <a:r>
+              <a:rPr lang="en-US" sz="2400" dirty="0" smtClean="0"/>
+              <a:t>student’s </a:t>
+            </a:r>
+            <a:r>
+              <a:rPr lang="en-US" sz="2400" dirty="0" smtClean="0"/>
+              <a:t>courses</a:t>
             </a:r>
           </a:p>
           <a:p>
@@ -7450,7 +7502,15 @@
             </a:pPr>
             <a:r>
               <a:rPr lang="en-US" sz="2400" dirty="0" smtClean="0"/>
-              <a:t>Each students preferences</a:t>
+              <a:t>Each </a:t>
+            </a:r>
+            <a:r>
+              <a:rPr lang="en-US" sz="2400" dirty="0" smtClean="0"/>
+              <a:t>student’s </a:t>
+            </a:r>
+            <a:r>
+              <a:rPr lang="en-US" sz="2400" dirty="0" smtClean="0"/>
+              <a:t>preferences</a:t>
             </a:r>
           </a:p>
           <a:p>
@@ -7482,7 +7542,7 @@
         </p:blipFill>
         <p:spPr>
           <a:xfrm>
-            <a:off x="3406094" y="2705586"/>
+            <a:off x="3756818" y="2836216"/>
             <a:ext cx="5012191" cy="3822527"/>
           </a:xfrm>
           <a:prstGeom prst="rect">
@@ -7653,8 +7713,8 @@
         </p:nvSpPr>
         <p:spPr>
           <a:xfrm>
-            <a:off x="870857" y="827314"/>
-            <a:ext cx="10464799" cy="1969770"/>
+            <a:off x="1524000" y="566057"/>
+            <a:ext cx="10464799" cy="1600438"/>
           </a:xfrm>
           <a:prstGeom prst="rect">
             <a:avLst/>
@@ -7679,15 +7739,13 @@
           <a:p>
             <a:r>
               <a:rPr lang="en-US" sz="2400" dirty="0" smtClean="0"/>
-              <a:t>Definitely! It could help improve finals schedule to make students happier. It could be applied to every college across the country, impacting millions of students. </a:t>
-            </a:r>
-          </a:p>
-          <a:p>
+              <a:t>Definitely! It could help improve finals schedule to make students happier. It could be applied to every college across the country, impacting millions of students</a:t>
+            </a:r>
             <a:r>
               <a:rPr lang="en-US" sz="2400" dirty="0" smtClean="0"/>
-              <a:t>It could also be generalized to other fields which face similar scheduling decisions.</a:t>
-            </a:r>
-            <a:endParaRPr lang="en-US" sz="2400" dirty="0"/>
+              <a:t>.  </a:t>
+            </a:r>
+            <a:endParaRPr lang="en-US" sz="2400" dirty="0" smtClean="0"/>
           </a:p>
         </p:txBody>
       </p:sp>

--- a/Making Finals not as Bad.pptx
+++ b/Making Finals not as Bad.pptx
@@ -6887,7 +6887,15 @@
           <a:p>
             <a:r>
               <a:rPr lang="en-US" sz="2400" dirty="0" smtClean="0"/>
-              <a:t>Uses Min-Conflicts Algorithm to minimize total number of student conflicts within schedule. A student conflict is defined a student having two finals at the same time.</a:t>
+              <a:t>Uses Min-Conflicts Algorithm to minimize total number of student conflicts within schedule. A student conflict is defined </a:t>
+            </a:r>
+            <a:r>
+              <a:rPr lang="en-US" sz="2400" dirty="0" smtClean="0"/>
+              <a:t>as a </a:t>
+            </a:r>
+            <a:r>
+              <a:rPr lang="en-US" sz="2400" dirty="0" smtClean="0"/>
+              <a:t>student having two finals at the same time.</a:t>
             </a:r>
             <a:endParaRPr lang="en-US" sz="2400" dirty="0"/>
           </a:p>

--- a/Making Finals not as Bad.pptx
+++ b/Making Finals not as Bad.pptx
@@ -16,6 +16,8 @@
     <p:sldId id="264" r:id="rId10"/>
     <p:sldId id="265" r:id="rId11"/>
     <p:sldId id="266" r:id="rId12"/>
+    <p:sldId id="267" r:id="rId13"/>
+    <p:sldId id="268" r:id="rId14"/>
   </p:sldIdLst>
   <p:sldSz cx="12192000" cy="6858000"/>
   <p:notesSz cx="6858000" cy="9144000"/>
@@ -120,6 +122,18 @@
     </p:ext>
   </p:extLst>
 </p:presentation>
+</file>
+
+<file path=ppt/commentAuthors.xml><?xml version="1.0" encoding="utf-8"?>
+<p:cmAuthorLst xmlns:a="http://schemas.openxmlformats.org/drawingml/2006/main" xmlns:r="http://schemas.openxmlformats.org/officeDocument/2006/relationships" xmlns:p="http://schemas.openxmlformats.org/presentationml/2006/main">
+  <p:cmAuthor id="1" name="Jonathan Falk" initials="JF" lastIdx="0" clrIdx="0">
+    <p:extLst>
+      <p:ext uri="{19B8F6BF-5375-455C-9EA6-DF929625EA0E}">
+        <p15:presenceInfo xmlns:p15="http://schemas.microsoft.com/office/powerpoint/2012/main" userId="2654c76b6fee8a95" providerId="Windows Live"/>
+      </p:ext>
+    </p:extLst>
+  </p:cmAuthor>
+</p:cmAuthorLst>
 </file>
 
 <file path=ppt/slideLayouts/slideLayout1.xml><?xml version="1.0" encoding="utf-8"?>
@@ -6277,23 +6291,7 @@
           <a:p>
             <a:r>
               <a:rPr lang="en-US" sz="2400" dirty="0" smtClean="0"/>
-              <a:t>Sure! We optimized all of our algorithms </a:t>
-            </a:r>
-            <a:r>
-              <a:rPr lang="en-US" sz="2400" dirty="0" smtClean="0"/>
-              <a:t>whenever </a:t>
-            </a:r>
-            <a:r>
-              <a:rPr lang="en-US" sz="2400" dirty="0" smtClean="0"/>
-              <a:t>possible, and with more computing power this algorithm could be run quite quickly. The only </a:t>
-            </a:r>
-            <a:r>
-              <a:rPr lang="en-US" sz="2400" dirty="0" smtClean="0"/>
-              <a:t>non-scalable part </a:t>
-            </a:r>
-            <a:r>
-              <a:rPr lang="en-US" sz="2400" dirty="0" smtClean="0"/>
-              <a:t>would be downloading all the information from the client. </a:t>
+              <a:t>Sure! We optimized all of our algorithms whenever possible, and with more computing power this algorithm could be run quite quickly. The only non-scalable part would be downloading all the information from the client. </a:t>
             </a:r>
           </a:p>
         </p:txBody>
@@ -6393,15 +6391,7 @@
           <a:p>
             <a:r>
               <a:rPr lang="en-US" sz="2400" dirty="0" smtClean="0"/>
-              <a:t>At a high level, yup! The actual implementation gets pretty complex in places, but at a higher level the algorithm </a:t>
-            </a:r>
-            <a:r>
-              <a:rPr lang="en-US" sz="2400" dirty="0" smtClean="0"/>
-              <a:t>is </a:t>
-            </a:r>
-            <a:r>
-              <a:rPr lang="en-US" sz="2400" dirty="0" smtClean="0"/>
-              <a:t>intuitive and simple.</a:t>
+              <a:t>At a high level, yup! The actual implementation gets pretty complex in places, but at a higher level the algorithm is intuitive and simple.</a:t>
             </a:r>
             <a:endParaRPr lang="en-US" sz="2400" dirty="0"/>
           </a:p>
@@ -6451,6 +6441,260 @@
 </p:sld>
 </file>
 
+<file path=ppt/slides/slide12.xml><?xml version="1.0" encoding="utf-8"?>
+<p:sld xmlns:a="http://schemas.openxmlformats.org/drawingml/2006/main" xmlns:r="http://schemas.openxmlformats.org/officeDocument/2006/relationships" xmlns:p="http://schemas.openxmlformats.org/presentationml/2006/main">
+  <p:cSld>
+    <p:spTree>
+      <p:nvGrpSpPr>
+        <p:cNvPr id="1" name=""/>
+        <p:cNvGrpSpPr/>
+        <p:nvPr/>
+      </p:nvGrpSpPr>
+      <p:grpSpPr>
+        <a:xfrm>
+          <a:off x="0" y="0"/>
+          <a:ext cx="0" cy="0"/>
+          <a:chOff x="0" y="0"/>
+          <a:chExt cx="0" cy="0"/>
+        </a:xfrm>
+      </p:grpSpPr>
+      <p:sp>
+        <p:nvSpPr>
+          <p:cNvPr id="3" name="TextBox 2"/>
+          <p:cNvSpPr txBox="1"/>
+          <p:nvPr/>
+        </p:nvSpPr>
+        <p:spPr>
+          <a:xfrm>
+            <a:off x="2688608" y="764273"/>
+            <a:ext cx="6619164" cy="646331"/>
+          </a:xfrm>
+          <a:prstGeom prst="rect">
+            <a:avLst/>
+          </a:prstGeom>
+          <a:noFill/>
+        </p:spPr>
+        <p:txBody>
+          <a:bodyPr wrap="square" rtlCol="0">
+            <a:spAutoFit/>
+          </a:bodyPr>
+          <a:lstStyle/>
+          <a:p>
+            <a:pPr algn="ctr"/>
+            <a:r>
+              <a:rPr lang="en-US" sz="3600" dirty="0" smtClean="0"/>
+              <a:t>Improvements to  be made</a:t>
+            </a:r>
+            <a:endParaRPr lang="en-US" sz="3600" dirty="0"/>
+          </a:p>
+        </p:txBody>
+      </p:sp>
+      <p:sp>
+        <p:nvSpPr>
+          <p:cNvPr id="4" name="TextBox 3"/>
+          <p:cNvSpPr txBox="1"/>
+          <p:nvPr/>
+        </p:nvSpPr>
+        <p:spPr>
+          <a:xfrm>
+            <a:off x="2470245" y="1787857"/>
+            <a:ext cx="7547212" cy="2677656"/>
+          </a:xfrm>
+          <a:prstGeom prst="rect">
+            <a:avLst/>
+          </a:prstGeom>
+          <a:noFill/>
+        </p:spPr>
+        <p:txBody>
+          <a:bodyPr wrap="square" rtlCol="0">
+            <a:spAutoFit/>
+          </a:bodyPr>
+          <a:lstStyle/>
+          <a:p>
+            <a:pPr marL="285750" indent="-285750">
+              <a:buFont typeface="Arial" panose="020B0604020202020204" pitchFamily="34" charset="0"/>
+              <a:buChar char="•"/>
+            </a:pPr>
+            <a:r>
+              <a:rPr lang="en-US" sz="2400" dirty="0" smtClean="0"/>
+              <a:t>More efficient</a:t>
+            </a:r>
+          </a:p>
+          <a:p>
+            <a:pPr marL="285750" indent="-285750">
+              <a:buFont typeface="Arial" panose="020B0604020202020204" pitchFamily="34" charset="0"/>
+              <a:buChar char="•"/>
+            </a:pPr>
+            <a:r>
+              <a:rPr lang="en-US" sz="2400" dirty="0" smtClean="0"/>
+              <a:t>Balance conflicts and preferences</a:t>
+            </a:r>
+          </a:p>
+          <a:p>
+            <a:pPr marL="285750" indent="-285750">
+              <a:buFont typeface="Arial" panose="020B0604020202020204" pitchFamily="34" charset="0"/>
+              <a:buChar char="•"/>
+            </a:pPr>
+            <a:r>
+              <a:rPr lang="en-US" sz="2400" dirty="0" smtClean="0"/>
+              <a:t>Badness calculator could use some tweaking based on preferences</a:t>
+            </a:r>
+          </a:p>
+          <a:p>
+            <a:pPr marL="285750" indent="-285750">
+              <a:buFont typeface="Arial" panose="020B0604020202020204" pitchFamily="34" charset="0"/>
+              <a:buChar char="•"/>
+            </a:pPr>
+            <a:r>
+              <a:rPr lang="en-US" sz="2400" dirty="0" smtClean="0"/>
+              <a:t>Did not add a space constraint</a:t>
+            </a:r>
+          </a:p>
+          <a:p>
+            <a:pPr marL="285750" indent="-285750">
+              <a:buFont typeface="Arial" panose="020B0604020202020204" pitchFamily="34" charset="0"/>
+              <a:buChar char="•"/>
+            </a:pPr>
+            <a:r>
+              <a:rPr lang="en-US" sz="2400" dirty="0" smtClean="0"/>
+              <a:t>Assigned slots based on start time – divide up the hours better</a:t>
+            </a:r>
+          </a:p>
+        </p:txBody>
+      </p:sp>
+    </p:spTree>
+    <p:extLst>
+      <p:ext uri="{BB962C8B-B14F-4D97-AF65-F5344CB8AC3E}">
+        <p14:creationId xmlns:p14="http://schemas.microsoft.com/office/powerpoint/2010/main" val="3060804143"/>
+      </p:ext>
+    </p:extLst>
+  </p:cSld>
+  <p:clrMapOvr>
+    <a:masterClrMapping/>
+  </p:clrMapOvr>
+</p:sld>
+</file>
+
+<file path=ppt/slides/slide13.xml><?xml version="1.0" encoding="utf-8"?>
+<p:sld xmlns:a="http://schemas.openxmlformats.org/drawingml/2006/main" xmlns:r="http://schemas.openxmlformats.org/officeDocument/2006/relationships" xmlns:p="http://schemas.openxmlformats.org/presentationml/2006/main">
+  <p:cSld>
+    <p:spTree>
+      <p:nvGrpSpPr>
+        <p:cNvPr id="1" name=""/>
+        <p:cNvGrpSpPr/>
+        <p:nvPr/>
+      </p:nvGrpSpPr>
+      <p:grpSpPr>
+        <a:xfrm>
+          <a:off x="0" y="0"/>
+          <a:ext cx="0" cy="0"/>
+          <a:chOff x="0" y="0"/>
+          <a:chExt cx="0" cy="0"/>
+        </a:xfrm>
+      </p:grpSpPr>
+      <p:sp>
+        <p:nvSpPr>
+          <p:cNvPr id="2" name="TextBox 1"/>
+          <p:cNvSpPr txBox="1"/>
+          <p:nvPr/>
+        </p:nvSpPr>
+        <p:spPr>
+          <a:xfrm>
+            <a:off x="3057098" y="832513"/>
+            <a:ext cx="5363570" cy="1077218"/>
+          </a:xfrm>
+          <a:prstGeom prst="rect">
+            <a:avLst/>
+          </a:prstGeom>
+          <a:noFill/>
+        </p:spPr>
+        <p:txBody>
+          <a:bodyPr wrap="square" rtlCol="0">
+            <a:spAutoFit/>
+          </a:bodyPr>
+          <a:lstStyle/>
+          <a:p>
+            <a:pPr algn="ctr"/>
+            <a:r>
+              <a:rPr lang="en-US" sz="3200" dirty="0" smtClean="0"/>
+              <a:t>Real Life Situation </a:t>
+            </a:r>
+          </a:p>
+          <a:p>
+            <a:pPr algn="ctr"/>
+            <a:r>
+              <a:rPr lang="en-US" sz="3200" dirty="0" smtClean="0"/>
+              <a:t>What would be different?</a:t>
+            </a:r>
+            <a:endParaRPr lang="en-US" sz="3200" dirty="0"/>
+          </a:p>
+        </p:txBody>
+      </p:sp>
+      <p:sp>
+        <p:nvSpPr>
+          <p:cNvPr id="4" name="TextBox 3"/>
+          <p:cNvSpPr txBox="1"/>
+          <p:nvPr/>
+        </p:nvSpPr>
+        <p:spPr>
+          <a:xfrm>
+            <a:off x="3275463" y="2210937"/>
+            <a:ext cx="4831307" cy="1200329"/>
+          </a:xfrm>
+          <a:prstGeom prst="rect">
+            <a:avLst/>
+          </a:prstGeom>
+          <a:noFill/>
+        </p:spPr>
+        <p:txBody>
+          <a:bodyPr wrap="square" rtlCol="0">
+            <a:spAutoFit/>
+          </a:bodyPr>
+          <a:lstStyle/>
+          <a:p>
+            <a:pPr marL="285750" indent="-285750" algn="ctr">
+              <a:buFont typeface="Arial" panose="020B0604020202020204" pitchFamily="34" charset="0"/>
+              <a:buChar char="•"/>
+            </a:pPr>
+            <a:r>
+              <a:rPr lang="en-US" sz="2400" dirty="0" smtClean="0"/>
+              <a:t>Not every class has a final</a:t>
+            </a:r>
+          </a:p>
+          <a:p>
+            <a:pPr marL="285750" indent="-285750" algn="ctr">
+              <a:buFont typeface="Arial" panose="020B0604020202020204" pitchFamily="34" charset="0"/>
+              <a:buChar char="•"/>
+            </a:pPr>
+            <a:r>
+              <a:rPr lang="en-US" sz="2400" dirty="0" smtClean="0"/>
+              <a:t>Students schedules will be different – not </a:t>
+            </a:r>
+            <a:r>
+              <a:rPr lang="en-US" sz="2400" smtClean="0"/>
+              <a:t>as random</a:t>
+            </a:r>
+            <a:r>
+              <a:rPr lang="en-US" smtClean="0"/>
+              <a:t> </a:t>
+            </a:r>
+            <a:endParaRPr lang="en-US" dirty="0"/>
+          </a:p>
+        </p:txBody>
+      </p:sp>
+    </p:spTree>
+    <p:extLst>
+      <p:ext uri="{BB962C8B-B14F-4D97-AF65-F5344CB8AC3E}">
+        <p14:creationId xmlns:p14="http://schemas.microsoft.com/office/powerpoint/2010/main" val="1994402287"/>
+      </p:ext>
+    </p:extLst>
+  </p:cSld>
+  <p:clrMapOvr>
+    <a:masterClrMapping/>
+  </p:clrMapOvr>
+</p:sld>
+</file>
+
 <file path=ppt/slides/slide2.xml><?xml version="1.0" encoding="utf-8"?>
 <p:sld xmlns:a="http://schemas.openxmlformats.org/drawingml/2006/main" xmlns:r="http://schemas.openxmlformats.org/officeDocument/2006/relationships" xmlns:p="http://schemas.openxmlformats.org/presentationml/2006/main">
   <p:cSld>
@@ -6502,11 +6746,7 @@
             </a:pPr>
             <a:r>
               <a:rPr lang="en-US" sz="4400" dirty="0" smtClean="0"/>
-              <a:t>Avoiding </a:t>
-            </a:r>
-            <a:r>
-              <a:rPr lang="en-US" sz="4400" dirty="0" smtClean="0"/>
-              <a:t>student conflicts</a:t>
+              <a:t>Avoiding student conflicts</a:t>
             </a:r>
           </a:p>
           <a:p>
@@ -6516,11 +6756,7 @@
             </a:pPr>
             <a:r>
               <a:rPr lang="en-US" sz="4400" dirty="0" smtClean="0"/>
-              <a:t>Prioritizing </a:t>
-            </a:r>
-            <a:r>
-              <a:rPr lang="en-US" sz="4400" dirty="0" smtClean="0"/>
-              <a:t>student preferences</a:t>
+              <a:t>Prioritizing student preferences</a:t>
             </a:r>
           </a:p>
         </p:txBody>
@@ -6724,11 +6960,7 @@
             </a:pPr>
             <a:r>
               <a:rPr lang="en-US" sz="2400" dirty="0" smtClean="0"/>
-              <a:t>Create </a:t>
-            </a:r>
-            <a:r>
-              <a:rPr lang="en-US" sz="2400" dirty="0" smtClean="0"/>
-              <a:t>finals schedule via time for one section, conflict for multi section</a:t>
+              <a:t>Create finals schedule via time for one section, conflict for multi section</a:t>
             </a:r>
           </a:p>
         </p:txBody>
@@ -6887,15 +7119,7 @@
           <a:p>
             <a:r>
               <a:rPr lang="en-US" sz="2400" dirty="0" smtClean="0"/>
-              <a:t>Uses Min-Conflicts Algorithm to minimize total number of student conflicts within schedule. A student conflict is defined </a:t>
-            </a:r>
-            <a:r>
-              <a:rPr lang="en-US" sz="2400" dirty="0" smtClean="0"/>
-              <a:t>as a </a:t>
-            </a:r>
-            <a:r>
-              <a:rPr lang="en-US" sz="2400" dirty="0" smtClean="0"/>
-              <a:t>student having two finals at the same time.</a:t>
+              <a:t>Uses Min-Conflicts Algorithm to minimize total number of student conflicts within schedule. A student conflict is defined as a student having two finals at the same time.</a:t>
             </a:r>
             <a:endParaRPr lang="en-US" sz="2400" dirty="0"/>
           </a:p>
@@ -7147,7 +7371,6 @@
               <a:rPr lang="en-US" dirty="0"/>
               <a:t>Philo 421: Religion in Star Trek</a:t>
             </a:r>
-            <a:endParaRPr lang="en-US" dirty="0"/>
           </a:p>
         </p:txBody>
       </p:sp>
@@ -7478,11 +7701,7 @@
           <a:p>
             <a:r>
               <a:rPr lang="en-US" sz="2400" dirty="0" smtClean="0"/>
-              <a:t>Indeed! </a:t>
-            </a:r>
-            <a:r>
-              <a:rPr lang="en-US" sz="2400" dirty="0" smtClean="0"/>
-              <a:t>It would require as inputs from the university the following things:</a:t>
+              <a:t>Indeed! It would require as inputs from the university the following things:</a:t>
             </a:r>
           </a:p>
           <a:p>
@@ -7492,15 +7711,7 @@
             </a:pPr>
             <a:r>
               <a:rPr lang="en-US" sz="2400" dirty="0" smtClean="0"/>
-              <a:t>Each </a:t>
-            </a:r>
-            <a:r>
-              <a:rPr lang="en-US" sz="2400" dirty="0" smtClean="0"/>
-              <a:t>student’s </a:t>
-            </a:r>
-            <a:r>
-              <a:rPr lang="en-US" sz="2400" dirty="0" smtClean="0"/>
-              <a:t>courses</a:t>
+              <a:t>Each student’s courses</a:t>
             </a:r>
           </a:p>
           <a:p>
@@ -7510,15 +7721,7 @@
             </a:pPr>
             <a:r>
               <a:rPr lang="en-US" sz="2400" dirty="0" smtClean="0"/>
-              <a:t>Each </a:t>
-            </a:r>
-            <a:r>
-              <a:rPr lang="en-US" sz="2400" dirty="0" smtClean="0"/>
-              <a:t>student’s </a:t>
-            </a:r>
-            <a:r>
-              <a:rPr lang="en-US" sz="2400" dirty="0" smtClean="0"/>
-              <a:t>preferences</a:t>
+              <a:t>Each student’s preferences</a:t>
             </a:r>
           </a:p>
           <a:p>
@@ -7747,13 +7950,8 @@
           <a:p>
             <a:r>
               <a:rPr lang="en-US" sz="2400" dirty="0" smtClean="0"/>
-              <a:t>Definitely! It could help improve finals schedule to make students happier. It could be applied to every college across the country, impacting millions of students</a:t>
-            </a:r>
-            <a:r>
-              <a:rPr lang="en-US" sz="2400" dirty="0" smtClean="0"/>
-              <a:t>.  </a:t>
-            </a:r>
-            <a:endParaRPr lang="en-US" sz="2400" dirty="0" smtClean="0"/>
+              <a:t>Definitely! It could help improve finals schedule to make students happier. It could be applied to every college across the country, impacting millions of students.  </a:t>
+            </a:r>
           </a:p>
         </p:txBody>
       </p:sp>

--- a/Making Finals not as Bad.pptx
+++ b/Making Finals not as Bad.pptx
@@ -16,8 +16,9 @@
     <p:sldId id="264" r:id="rId10"/>
     <p:sldId id="265" r:id="rId11"/>
     <p:sldId id="266" r:id="rId12"/>
-    <p:sldId id="267" r:id="rId13"/>
-    <p:sldId id="268" r:id="rId14"/>
+    <p:sldId id="269" r:id="rId13"/>
+    <p:sldId id="267" r:id="rId14"/>
+    <p:sldId id="268" r:id="rId15"/>
   </p:sldIdLst>
   <p:sldSz cx="12192000" cy="6858000"/>
   <p:notesSz cx="6858000" cy="9144000"/>
@@ -130,6 +131,13 @@
     <p:extLst>
       <p:ext uri="{19B8F6BF-5375-455C-9EA6-DF929625EA0E}">
         <p15:presenceInfo xmlns:p15="http://schemas.microsoft.com/office/powerpoint/2012/main" userId="2654c76b6fee8a95" providerId="Windows Live"/>
+      </p:ext>
+    </p:extLst>
+  </p:cmAuthor>
+  <p:cmAuthor id="2" name="Jesse Schloss" initials="JS" lastIdx="1" clrIdx="1">
+    <p:extLst>
+      <p:ext uri="{19B8F6BF-5375-455C-9EA6-DF929625EA0E}">
+        <p15:presenceInfo xmlns:p15="http://schemas.microsoft.com/office/powerpoint/2012/main" userId="Jesse Schloss" providerId="None"/>
       </p:ext>
     </p:extLst>
   </p:cmAuthor>
@@ -6460,14 +6468,14 @@
       </p:grpSpPr>
       <p:sp>
         <p:nvSpPr>
-          <p:cNvPr id="3" name="TextBox 2"/>
+          <p:cNvPr id="2" name="TextBox 1"/>
           <p:cNvSpPr txBox="1"/>
           <p:nvPr/>
         </p:nvSpPr>
         <p:spPr>
           <a:xfrm>
-            <a:off x="2688608" y="764273"/>
-            <a:ext cx="6619164" cy="646331"/>
+            <a:off x="1669143" y="435429"/>
+            <a:ext cx="9550400" cy="3447098"/>
           </a:xfrm>
           <a:prstGeom prst="rect">
             <a:avLst/>
@@ -6482,96 +6490,69 @@
           <a:p>
             <a:pPr algn="ctr"/>
             <a:r>
-              <a:rPr lang="en-US" sz="3600" dirty="0" smtClean="0"/>
-              <a:t>Improvements to  be made</a:t>
-            </a:r>
-            <a:endParaRPr lang="en-US" sz="3600" dirty="0"/>
-          </a:p>
-        </p:txBody>
-      </p:sp>
-      <p:sp>
-        <p:nvSpPr>
-          <p:cNvPr id="4" name="TextBox 3"/>
-          <p:cNvSpPr txBox="1"/>
-          <p:nvPr/>
-        </p:nvSpPr>
-        <p:spPr>
-          <a:xfrm>
-            <a:off x="2470245" y="1787857"/>
-            <a:ext cx="7547212" cy="2677656"/>
-          </a:xfrm>
-          <a:prstGeom prst="rect">
-            <a:avLst/>
-          </a:prstGeom>
-          <a:noFill/>
-        </p:spPr>
-        <p:txBody>
-          <a:bodyPr wrap="square" rtlCol="0">
-            <a:spAutoFit/>
-          </a:bodyPr>
-          <a:lstStyle/>
-          <a:p>
-            <a:pPr marL="285750" indent="-285750">
-              <a:buFont typeface="Arial" panose="020B0604020202020204" pitchFamily="34" charset="0"/>
-              <a:buChar char="•"/>
-            </a:pPr>
+              <a:rPr lang="en-US" sz="3200" dirty="0" smtClean="0"/>
+              <a:t>Results</a:t>
+            </a:r>
+          </a:p>
+          <a:p>
+            <a:endParaRPr lang="en-US" dirty="0"/>
+          </a:p>
+          <a:p>
             <a:r>
               <a:rPr lang="en-US" sz="2400" dirty="0" smtClean="0"/>
-              <a:t>More efficient</a:t>
-            </a:r>
-          </a:p>
-          <a:p>
-            <a:pPr marL="285750" indent="-285750">
-              <a:buFont typeface="Arial" panose="020B0604020202020204" pitchFamily="34" charset="0"/>
-              <a:buChar char="•"/>
-            </a:pPr>
+              <a:t>Initial Badness: 27529</a:t>
+            </a:r>
+          </a:p>
+          <a:p>
             <a:r>
               <a:rPr lang="en-US" sz="2400" dirty="0" smtClean="0"/>
-              <a:t>Balance conflicts and preferences</a:t>
-            </a:r>
-          </a:p>
-          <a:p>
-            <a:pPr marL="285750" indent="-285750">
-              <a:buFont typeface="Arial" panose="020B0604020202020204" pitchFamily="34" charset="0"/>
-              <a:buChar char="•"/>
-            </a:pPr>
+              <a:t>Initial Arrangement: [0,1,2,3,4,5,6,7,8,9,10,11,12,13,14,15,16,17,18,19]</a:t>
+            </a:r>
+          </a:p>
+          <a:p>
+            <a:endParaRPr lang="en-US" sz="2400" dirty="0"/>
+          </a:p>
+          <a:p>
             <a:r>
               <a:rPr lang="en-US" sz="2400" dirty="0" smtClean="0"/>
-              <a:t>Badness calculator could use some tweaking based on preferences</a:t>
-            </a:r>
-          </a:p>
-          <a:p>
-            <a:pPr marL="285750" indent="-285750">
-              <a:buFont typeface="Arial" panose="020B0604020202020204" pitchFamily="34" charset="0"/>
-              <a:buChar char="•"/>
-            </a:pPr>
+              <a:t>Final Badness: 14973</a:t>
+            </a:r>
+          </a:p>
+          <a:p>
             <a:r>
               <a:rPr lang="en-US" sz="2400" dirty="0" smtClean="0"/>
-              <a:t>Did not add a space constraint</a:t>
-            </a:r>
-          </a:p>
-          <a:p>
-            <a:pPr marL="285750" indent="-285750">
-              <a:buFont typeface="Arial" panose="020B0604020202020204" pitchFamily="34" charset="0"/>
-              <a:buChar char="•"/>
-            </a:pPr>
+              <a:t>Final Arrangement: [4,19,12,17,0,7,1,13,8,5,10,2,11,14,9,15,16,3,18,6]</a:t>
+            </a:r>
+          </a:p>
+          <a:p>
+            <a:endParaRPr lang="en-US" sz="2400" dirty="0"/>
+          </a:p>
+          <a:p>
             <a:r>
               <a:rPr lang="en-US" sz="2400" dirty="0" smtClean="0"/>
-              <a:t>Assigned slots based on start time – divide up the hours better</a:t>
-            </a:r>
+              <a:t>Without creating any new conflicts</a:t>
+            </a:r>
+            <a:endParaRPr lang="en-US" sz="2400" dirty="0"/>
           </a:p>
         </p:txBody>
       </p:sp>
     </p:spTree>
     <p:extLst>
       <p:ext uri="{BB962C8B-B14F-4D97-AF65-F5344CB8AC3E}">
-        <p14:creationId xmlns:p14="http://schemas.microsoft.com/office/powerpoint/2010/main" val="3060804143"/>
+        <p14:creationId xmlns:p14="http://schemas.microsoft.com/office/powerpoint/2010/main" val="3623456588"/>
       </p:ext>
     </p:extLst>
   </p:cSld>
   <p:clrMapOvr>
     <a:masterClrMapping/>
   </p:clrMapOvr>
+  <p:timing>
+    <p:tnLst>
+      <p:par>
+        <p:cTn id="1" dur="indefinite" restart="never" nodeType="tmRoot"/>
+      </p:par>
+    </p:tnLst>
+  </p:timing>
 </p:sld>
 </file>
 
@@ -6594,6 +6575,147 @@
       </p:grpSpPr>
       <p:sp>
         <p:nvSpPr>
+          <p:cNvPr id="3" name="TextBox 2"/>
+          <p:cNvSpPr txBox="1"/>
+          <p:nvPr/>
+        </p:nvSpPr>
+        <p:spPr>
+          <a:xfrm>
+            <a:off x="2688608" y="764273"/>
+            <a:ext cx="6619164" cy="646331"/>
+          </a:xfrm>
+          <a:prstGeom prst="rect">
+            <a:avLst/>
+          </a:prstGeom>
+          <a:noFill/>
+        </p:spPr>
+        <p:txBody>
+          <a:bodyPr wrap="square" rtlCol="0">
+            <a:spAutoFit/>
+          </a:bodyPr>
+          <a:lstStyle/>
+          <a:p>
+            <a:pPr algn="ctr"/>
+            <a:r>
+              <a:rPr lang="en-US" sz="3600" dirty="0" smtClean="0"/>
+              <a:t>Improvements to  be made</a:t>
+            </a:r>
+            <a:endParaRPr lang="en-US" sz="3600" dirty="0"/>
+          </a:p>
+        </p:txBody>
+      </p:sp>
+      <p:sp>
+        <p:nvSpPr>
+          <p:cNvPr id="4" name="TextBox 3"/>
+          <p:cNvSpPr txBox="1"/>
+          <p:nvPr/>
+        </p:nvSpPr>
+        <p:spPr>
+          <a:xfrm>
+            <a:off x="2470245" y="1787857"/>
+            <a:ext cx="7547212" cy="2677656"/>
+          </a:xfrm>
+          <a:prstGeom prst="rect">
+            <a:avLst/>
+          </a:prstGeom>
+          <a:noFill/>
+        </p:spPr>
+        <p:txBody>
+          <a:bodyPr wrap="square" rtlCol="0">
+            <a:spAutoFit/>
+          </a:bodyPr>
+          <a:lstStyle/>
+          <a:p>
+            <a:pPr marL="285750" indent="-285750">
+              <a:buFont typeface="Arial" panose="020B0604020202020204" pitchFamily="34" charset="0"/>
+              <a:buChar char="•"/>
+            </a:pPr>
+            <a:r>
+              <a:rPr lang="en-US" sz="2400" dirty="0" smtClean="0"/>
+              <a:t>More efficient</a:t>
+            </a:r>
+          </a:p>
+          <a:p>
+            <a:pPr marL="285750" indent="-285750">
+              <a:buFont typeface="Arial" panose="020B0604020202020204" pitchFamily="34" charset="0"/>
+              <a:buChar char="•"/>
+            </a:pPr>
+            <a:r>
+              <a:rPr lang="en-US" sz="2400" dirty="0" smtClean="0"/>
+              <a:t>Balance conflicts and preferences</a:t>
+            </a:r>
+          </a:p>
+          <a:p>
+            <a:pPr marL="285750" indent="-285750">
+              <a:buFont typeface="Arial" panose="020B0604020202020204" pitchFamily="34" charset="0"/>
+              <a:buChar char="•"/>
+            </a:pPr>
+            <a:r>
+              <a:rPr lang="en-US" sz="2400" dirty="0" smtClean="0"/>
+              <a:t>Badness calculator could use some tweaking based on preferences</a:t>
+            </a:r>
+          </a:p>
+          <a:p>
+            <a:pPr marL="285750" indent="-285750">
+              <a:buFont typeface="Arial" panose="020B0604020202020204" pitchFamily="34" charset="0"/>
+              <a:buChar char="•"/>
+            </a:pPr>
+            <a:r>
+              <a:rPr lang="en-US" sz="2400" dirty="0" smtClean="0"/>
+              <a:t>Did not add a space constraint</a:t>
+            </a:r>
+          </a:p>
+          <a:p>
+            <a:pPr marL="285750" indent="-285750">
+              <a:buFont typeface="Arial" panose="020B0604020202020204" pitchFamily="34" charset="0"/>
+              <a:buChar char="•"/>
+            </a:pPr>
+            <a:r>
+              <a:rPr lang="en-US" sz="2400" dirty="0" smtClean="0"/>
+              <a:t>Assigned slots based on start time – divide up the hours better</a:t>
+            </a:r>
+          </a:p>
+        </p:txBody>
+      </p:sp>
+    </p:spTree>
+    <p:extLst>
+      <p:ext uri="{BB962C8B-B14F-4D97-AF65-F5344CB8AC3E}">
+        <p14:creationId xmlns:p14="http://schemas.microsoft.com/office/powerpoint/2010/main" val="3060804143"/>
+      </p:ext>
+    </p:extLst>
+  </p:cSld>
+  <p:clrMapOvr>
+    <a:masterClrMapping/>
+  </p:clrMapOvr>
+  <p:timing>
+    <p:tnLst>
+      <p:par>
+        <p:cTn id="1" dur="indefinite" restart="never" nodeType="tmRoot"/>
+      </p:par>
+    </p:tnLst>
+  </p:timing>
+</p:sld>
+</file>
+
+<file path=ppt/slides/slide14.xml><?xml version="1.0" encoding="utf-8"?>
+<p:sld xmlns:a="http://schemas.openxmlformats.org/drawingml/2006/main" xmlns:r="http://schemas.openxmlformats.org/officeDocument/2006/relationships" xmlns:p="http://schemas.openxmlformats.org/presentationml/2006/main">
+  <p:cSld>
+    <p:spTree>
+      <p:nvGrpSpPr>
+        <p:cNvPr id="1" name=""/>
+        <p:cNvGrpSpPr/>
+        <p:nvPr/>
+      </p:nvGrpSpPr>
+      <p:grpSpPr>
+        <a:xfrm>
+          <a:off x="0" y="0"/>
+          <a:ext cx="0" cy="0"/>
+          <a:chOff x="0" y="0"/>
+          <a:chExt cx="0" cy="0"/>
+        </a:xfrm>
+      </p:grpSpPr>
+      <p:sp>
+        <p:nvSpPr>
           <p:cNvPr id="2" name="TextBox 1"/>
           <p:cNvSpPr txBox="1"/>
           <p:nvPr/>
@@ -6692,6 +6814,13 @@
   <p:clrMapOvr>
     <a:masterClrMapping/>
   </p:clrMapOvr>
+  <p:timing>
+    <p:tnLst>
+      <p:par>
+        <p:cTn id="1" dur="indefinite" restart="never" nodeType="tmRoot"/>
+      </p:par>
+    </p:tnLst>
+  </p:timing>
 </p:sld>
 </file>
 

--- a/Making Finals not as Bad.pptx
+++ b/Making Finals not as Bad.pptx
@@ -17,8 +17,9 @@
     <p:sldId id="265" r:id="rId11"/>
     <p:sldId id="266" r:id="rId12"/>
     <p:sldId id="269" r:id="rId13"/>
-    <p:sldId id="267" r:id="rId14"/>
-    <p:sldId id="268" r:id="rId15"/>
+    <p:sldId id="270" r:id="rId14"/>
+    <p:sldId id="267" r:id="rId15"/>
+    <p:sldId id="268" r:id="rId16"/>
   </p:sldIdLst>
   <p:sldSz cx="12192000" cy="6858000"/>
   <p:notesSz cx="6858000" cy="9144000"/>
@@ -134,7 +135,7 @@
       </p:ext>
     </p:extLst>
   </p:cmAuthor>
-  <p:cmAuthor id="2" name="Jesse Schloss" initials="JS" lastIdx="1" clrIdx="1">
+  <p:cmAuthor id="2" name="Jesse Schloss" initials="JS" lastIdx="2" clrIdx="1">
     <p:extLst>
       <p:ext uri="{19B8F6BF-5375-455C-9EA6-DF929625EA0E}">
         <p15:presenceInfo xmlns:p15="http://schemas.microsoft.com/office/powerpoint/2012/main" userId="Jesse Schloss" providerId="None"/>
@@ -6536,6 +6537,47 @@
           </a:p>
         </p:txBody>
       </p:sp>
+      <p:pic>
+        <p:nvPicPr>
+          <p:cNvPr id="1026" name="Picture 2" descr="http://katielendel.com/wp-content/uploads/2015/08/o-SUCCESS-facebook-3.jpg"/>
+          <p:cNvPicPr>
+            <a:picLocks noChangeAspect="1" noChangeArrowheads="1"/>
+          </p:cNvPicPr>
+          <p:nvPr/>
+        </p:nvPicPr>
+        <p:blipFill>
+          <a:blip r:embed="rId2" cstate="print">
+            <a:extLst>
+              <a:ext uri="{28A0092B-C50C-407E-A947-70E740481C1C}">
+                <a14:useLocalDpi xmlns:a14="http://schemas.microsoft.com/office/drawing/2010/main" val="0"/>
+              </a:ext>
+            </a:extLst>
+          </a:blip>
+          <a:srcRect/>
+          <a:stretch>
+            <a:fillRect/>
+          </a:stretch>
+        </p:blipFill>
+        <p:spPr bwMode="auto">
+          <a:xfrm>
+            <a:off x="3541486" y="4114800"/>
+            <a:ext cx="4826000" cy="2413000"/>
+          </a:xfrm>
+          <a:prstGeom prst="rect">
+            <a:avLst/>
+          </a:prstGeom>
+          <a:noFill/>
+          <a:extLst>
+            <a:ext uri="{909E8E84-426E-40DD-AFC4-6F175D3DCCD1}">
+              <a14:hiddenFill xmlns:a14="http://schemas.microsoft.com/office/drawing/2010/main">
+                <a:solidFill>
+                  <a:srgbClr val="FFFFFF"/>
+                </a:solidFill>
+              </a14:hiddenFill>
+            </a:ext>
+          </a:extLst>
+        </p:spPr>
+      </p:pic>
     </p:spTree>
     <p:extLst>
       <p:ext uri="{BB962C8B-B14F-4D97-AF65-F5344CB8AC3E}">
@@ -6575,6 +6617,151 @@
       </p:grpSpPr>
       <p:sp>
         <p:nvSpPr>
+          <p:cNvPr id="2" name="TextBox 1"/>
+          <p:cNvSpPr txBox="1"/>
+          <p:nvPr/>
+        </p:nvSpPr>
+        <p:spPr>
+          <a:xfrm>
+            <a:off x="3497943" y="377371"/>
+            <a:ext cx="6604000" cy="6032421"/>
+          </a:xfrm>
+          <a:prstGeom prst="rect">
+            <a:avLst/>
+          </a:prstGeom>
+          <a:noFill/>
+        </p:spPr>
+        <p:txBody>
+          <a:bodyPr wrap="square" rtlCol="0">
+            <a:spAutoFit/>
+          </a:bodyPr>
+          <a:lstStyle/>
+          <a:p>
+            <a:pPr algn="ctr"/>
+            <a:r>
+              <a:rPr lang="en-US" sz="2800" dirty="0" smtClean="0"/>
+              <a:t>Example Student:</a:t>
+            </a:r>
+          </a:p>
+          <a:p>
+            <a:endParaRPr lang="en-US" dirty="0"/>
+          </a:p>
+          <a:p>
+            <a:r>
+              <a:rPr lang="en-US" sz="2000" dirty="0" smtClean="0"/>
+              <a:t>Courses Taken: </a:t>
+            </a:r>
+          </a:p>
+          <a:p>
+            <a:r>
+              <a:rPr lang="en-US" sz="2000" dirty="0" smtClean="0"/>
+              <a:t>1) PHIL 245</a:t>
+            </a:r>
+          </a:p>
+          <a:p>
+            <a:r>
+              <a:rPr lang="en-US" sz="2000" dirty="0" smtClean="0"/>
+              <a:t>2) PHIL 230</a:t>
+            </a:r>
+          </a:p>
+          <a:p>
+            <a:r>
+              <a:rPr lang="en-US" sz="2000" dirty="0" smtClean="0"/>
+              <a:t>3) EDHD 230</a:t>
+            </a:r>
+          </a:p>
+          <a:p>
+            <a:r>
+              <a:rPr lang="en-US" sz="2000" dirty="0" smtClean="0"/>
+              <a:t>4) AAST 389L</a:t>
+            </a:r>
+          </a:p>
+          <a:p>
+            <a:endParaRPr lang="en-US" sz="2000" dirty="0"/>
+          </a:p>
+          <a:p>
+            <a:r>
+              <a:rPr lang="en-US" sz="2000" dirty="0" smtClean="0"/>
+              <a:t>Difficulty – 1,2,4,4</a:t>
+            </a:r>
+          </a:p>
+          <a:p>
+            <a:r>
+              <a:rPr lang="en-US" sz="2000" dirty="0" smtClean="0"/>
+              <a:t>Preferences – Earlier exams (importance 4), spread out by difficulty (importance 0), and spread out in general (importance 0).</a:t>
+            </a:r>
+          </a:p>
+          <a:p>
+            <a:r>
+              <a:rPr lang="en-US" sz="2000" dirty="0" smtClean="0"/>
+              <a:t>Slots to Avoid – 11 (importance 5), 3 (importance 1).</a:t>
+            </a:r>
+          </a:p>
+          <a:p>
+            <a:endParaRPr lang="en-US" sz="2000" dirty="0"/>
+          </a:p>
+          <a:p>
+            <a:r>
+              <a:rPr lang="en-US" sz="2000" dirty="0" smtClean="0"/>
+              <a:t>Before Optimization – 11,16,6,4</a:t>
+            </a:r>
+          </a:p>
+          <a:p>
+            <a:r>
+              <a:rPr lang="en-US" sz="2000" dirty="0" smtClean="0"/>
+              <a:t>After Optimization – 2,16,1,0</a:t>
+            </a:r>
+          </a:p>
+          <a:p>
+            <a:endParaRPr lang="en-US" sz="2000" dirty="0"/>
+          </a:p>
+          <a:p>
+            <a:r>
+              <a:rPr lang="en-US" sz="2000" dirty="0" smtClean="0"/>
+              <a:t>Got earlier exams and avoided the bad slots. The exams were closer together, but student did not care. </a:t>
+            </a:r>
+          </a:p>
+        </p:txBody>
+      </p:sp>
+    </p:spTree>
+    <p:extLst>
+      <p:ext uri="{BB962C8B-B14F-4D97-AF65-F5344CB8AC3E}">
+        <p14:creationId xmlns:p14="http://schemas.microsoft.com/office/powerpoint/2010/main" val="347099743"/>
+      </p:ext>
+    </p:extLst>
+  </p:cSld>
+  <p:clrMapOvr>
+    <a:masterClrMapping/>
+  </p:clrMapOvr>
+  <p:timing>
+    <p:tnLst>
+      <p:par>
+        <p:cTn id="1" dur="indefinite" restart="never" nodeType="tmRoot"/>
+      </p:par>
+    </p:tnLst>
+  </p:timing>
+</p:sld>
+</file>
+
+<file path=ppt/slides/slide14.xml><?xml version="1.0" encoding="utf-8"?>
+<p:sld xmlns:a="http://schemas.openxmlformats.org/drawingml/2006/main" xmlns:r="http://schemas.openxmlformats.org/officeDocument/2006/relationships" xmlns:p="http://schemas.openxmlformats.org/presentationml/2006/main">
+  <p:cSld>
+    <p:spTree>
+      <p:nvGrpSpPr>
+        <p:cNvPr id="1" name=""/>
+        <p:cNvGrpSpPr/>
+        <p:nvPr/>
+      </p:nvGrpSpPr>
+      <p:grpSpPr>
+        <a:xfrm>
+          <a:off x="0" y="0"/>
+          <a:ext cx="0" cy="0"/>
+          <a:chOff x="0" y="0"/>
+          <a:chExt cx="0" cy="0"/>
+        </a:xfrm>
+      </p:grpSpPr>
+      <p:sp>
+        <p:nvSpPr>
           <p:cNvPr id="3" name="TextBox 2"/>
           <p:cNvSpPr txBox="1"/>
           <p:nvPr/>
@@ -6697,7 +6884,7 @@
 </p:sld>
 </file>
 
-<file path=ppt/slides/slide14.xml><?xml version="1.0" encoding="utf-8"?>
+<file path=ppt/slides/slide15.xml><?xml version="1.0" encoding="utf-8"?>
 <p:sld xmlns:a="http://schemas.openxmlformats.org/drawingml/2006/main" xmlns:r="http://schemas.openxmlformats.org/officeDocument/2006/relationships" xmlns:p="http://schemas.openxmlformats.org/presentationml/2006/main">
   <p:cSld>
     <p:spTree>
